--- a/PrincipiosElectricos.pptx
+++ b/PrincipiosElectricos.pptx
@@ -119,7 +119,7 @@
   </p:defaultTextStyle>
   <p:extLst>
     <p:ext uri="{EFAFB233-063F-42B5-8137-9DF3F51BA10A}">
-      <p15:sldGuideLst xmlns:p15="http://schemas.microsoft.com/office/powerpoint/2012/main"/>
+      <p15:sldGuideLst xmlns:p15="http://schemas.microsoft.com/office/powerpoint/2012/main" xmlns=""/>
     </p:ext>
   </p:extLst>
 </p:presentation>
@@ -174,8 +174,8 @@
           </a:prstGeom>
           <a:noFill/>
           <a:extLst>
-            <a:ext uri="{909E8E84-426E-40dd-AFC4-6F175D3DCCD1}">
-              <a14:hiddenFill xmlns="" xmlns:a14="http://schemas.microsoft.com/office/drawing/2010/main">
+            <a:ext uri="{909E8E84-426E-40DD-AFC4-6F175D3DCCD1}">
+              <a14:hiddenFill xmlns:a14="http://schemas.microsoft.com/office/drawing/2010/main">
                 <a:solidFill>
                   <a:srgbClr val="FFFFFF"/>
                 </a:solidFill>
@@ -234,8 +234,8 @@
               <a:noFill/>
             </a:ln>
             <a:extLst>
-              <a:ext uri="{91240B29-F687-4f45-9708-019B960494DF}">
-                <a14:hiddenLine xmlns="" xmlns:a14="http://schemas.microsoft.com/office/drawing/2010/main" w="9525">
+              <a:ext uri="{91240B29-F687-4F45-9708-019B960494DF}">
+                <a14:hiddenLine xmlns:a14="http://schemas.microsoft.com/office/drawing/2010/main" w="9525">
                   <a:solidFill>
                     <a:srgbClr val="000000"/>
                   </a:solidFill>
@@ -324,8 +324,8 @@
               <a:noFill/>
             </a:ln>
             <a:extLst>
-              <a:ext uri="{91240B29-F687-4f45-9708-019B960494DF}">
-                <a14:hiddenLine xmlns="" xmlns:a14="http://schemas.microsoft.com/office/drawing/2010/main" w="9525">
+              <a:ext uri="{91240B29-F687-4F45-9708-019B960494DF}">
+                <a14:hiddenLine xmlns:a14="http://schemas.microsoft.com/office/drawing/2010/main" w="9525">
                   <a:solidFill>
                     <a:srgbClr val="000000"/>
                   </a:solidFill>
@@ -414,8 +414,8 @@
               <a:noFill/>
             </a:ln>
             <a:extLst>
-              <a:ext uri="{91240B29-F687-4f45-9708-019B960494DF}">
-                <a14:hiddenLine xmlns="" xmlns:a14="http://schemas.microsoft.com/office/drawing/2010/main" w="9525">
+              <a:ext uri="{91240B29-F687-4F45-9708-019B960494DF}">
+                <a14:hiddenLine xmlns:a14="http://schemas.microsoft.com/office/drawing/2010/main" w="9525">
                   <a:solidFill>
                     <a:srgbClr val="000000"/>
                   </a:solidFill>
@@ -448,8 +448,8 @@
               <a:noFill/>
             </a:ln>
             <a:extLst>
-              <a:ext uri="{91240B29-F687-4f45-9708-019B960494DF}">
-                <a14:hiddenLine xmlns="" xmlns:a14="http://schemas.microsoft.com/office/drawing/2010/main" w="9525">
+              <a:ext uri="{91240B29-F687-4F45-9708-019B960494DF}">
+                <a14:hiddenLine xmlns:a14="http://schemas.microsoft.com/office/drawing/2010/main" w="9525">
                   <a:solidFill>
                     <a:srgbClr val="000000"/>
                   </a:solidFill>
@@ -538,8 +538,8 @@
               <a:noFill/>
             </a:ln>
             <a:extLst>
-              <a:ext uri="{91240B29-F687-4f45-9708-019B960494DF}">
-                <a14:hiddenLine xmlns="" xmlns:a14="http://schemas.microsoft.com/office/drawing/2010/main" w="9525">
+              <a:ext uri="{91240B29-F687-4F45-9708-019B960494DF}">
+                <a14:hiddenLine xmlns:a14="http://schemas.microsoft.com/office/drawing/2010/main" w="9525">
                   <a:solidFill>
                     <a:srgbClr val="000000"/>
                   </a:solidFill>
@@ -600,8 +600,8 @@
               <a:noFill/>
             </a:ln>
             <a:extLst>
-              <a:ext uri="{91240B29-F687-4f45-9708-019B960494DF}">
-                <a14:hiddenLine xmlns="" xmlns:a14="http://schemas.microsoft.com/office/drawing/2010/main" w="9525">
+              <a:ext uri="{91240B29-F687-4F45-9708-019B960494DF}">
+                <a14:hiddenLine xmlns:a14="http://schemas.microsoft.com/office/drawing/2010/main" w="9525">
                   <a:solidFill>
                     <a:srgbClr val="000000"/>
                   </a:solidFill>
@@ -662,8 +662,8 @@
               <a:noFill/>
             </a:ln>
             <a:extLst>
-              <a:ext uri="{91240B29-F687-4f45-9708-019B960494DF}">
-                <a14:hiddenLine xmlns="" xmlns:a14="http://schemas.microsoft.com/office/drawing/2010/main" w="9525">
+              <a:ext uri="{91240B29-F687-4F45-9708-019B960494DF}">
+                <a14:hiddenLine xmlns:a14="http://schemas.microsoft.com/office/drawing/2010/main" w="9525">
                   <a:solidFill>
                     <a:srgbClr val="000000"/>
                   </a:solidFill>
@@ -752,8 +752,8 @@
               <a:noFill/>
             </a:ln>
             <a:extLst>
-              <a:ext uri="{91240B29-F687-4f45-9708-019B960494DF}">
-                <a14:hiddenLine xmlns="" xmlns:a14="http://schemas.microsoft.com/office/drawing/2010/main" w="9525">
+              <a:ext uri="{91240B29-F687-4F45-9708-019B960494DF}">
+                <a14:hiddenLine xmlns:a14="http://schemas.microsoft.com/office/drawing/2010/main" w="9525">
                   <a:solidFill>
                     <a:srgbClr val="000000"/>
                   </a:solidFill>
@@ -814,8 +814,8 @@
               <a:noFill/>
             </a:ln>
             <a:extLst>
-              <a:ext uri="{91240B29-F687-4f45-9708-019B960494DF}">
-                <a14:hiddenLine xmlns="" xmlns:a14="http://schemas.microsoft.com/office/drawing/2010/main" w="9525">
+              <a:ext uri="{91240B29-F687-4F45-9708-019B960494DF}">
+                <a14:hiddenLine xmlns:a14="http://schemas.microsoft.com/office/drawing/2010/main" w="9525">
                   <a:solidFill>
                     <a:srgbClr val="000000"/>
                   </a:solidFill>
@@ -876,8 +876,8 @@
               <a:noFill/>
             </a:ln>
             <a:extLst>
-              <a:ext uri="{91240B29-F687-4f45-9708-019B960494DF}">
-                <a14:hiddenLine xmlns="" xmlns:a14="http://schemas.microsoft.com/office/drawing/2010/main" w="9525">
+              <a:ext uri="{91240B29-F687-4F45-9708-019B960494DF}">
+                <a14:hiddenLine xmlns:a14="http://schemas.microsoft.com/office/drawing/2010/main" w="9525">
                   <a:solidFill>
                     <a:srgbClr val="000000"/>
                   </a:solidFill>
@@ -966,8 +966,8 @@
               <a:noFill/>
             </a:ln>
             <a:extLst>
-              <a:ext uri="{91240B29-F687-4f45-9708-019B960494DF}">
-                <a14:hiddenLine xmlns="" xmlns:a14="http://schemas.microsoft.com/office/drawing/2010/main" w="9525">
+              <a:ext uri="{91240B29-F687-4F45-9708-019B960494DF}">
+                <a14:hiddenLine xmlns:a14="http://schemas.microsoft.com/office/drawing/2010/main" w="9525">
                   <a:solidFill>
                     <a:srgbClr val="000000"/>
                   </a:solidFill>
@@ -1056,8 +1056,8 @@
               <a:noFill/>
             </a:ln>
             <a:extLst>
-              <a:ext uri="{91240B29-F687-4f45-9708-019B960494DF}">
-                <a14:hiddenLine xmlns="" xmlns:a14="http://schemas.microsoft.com/office/drawing/2010/main" w="9525">
+              <a:ext uri="{91240B29-F687-4F45-9708-019B960494DF}">
+                <a14:hiddenLine xmlns:a14="http://schemas.microsoft.com/office/drawing/2010/main" w="9525">
                   <a:solidFill>
                     <a:srgbClr val="000000"/>
                   </a:solidFill>
@@ -1118,8 +1118,8 @@
               <a:noFill/>
             </a:ln>
             <a:extLst>
-              <a:ext uri="{91240B29-F687-4f45-9708-019B960494DF}">
-                <a14:hiddenLine xmlns="" xmlns:a14="http://schemas.microsoft.com/office/drawing/2010/main" w="9525">
+              <a:ext uri="{91240B29-F687-4F45-9708-019B960494DF}">
+                <a14:hiddenLine xmlns:a14="http://schemas.microsoft.com/office/drawing/2010/main" w="9525">
                   <a:solidFill>
                     <a:srgbClr val="000000"/>
                   </a:solidFill>
@@ -1228,8 +1228,8 @@
               <a:noFill/>
             </a:ln>
             <a:extLst>
-              <a:ext uri="{91240B29-F687-4f45-9708-019B960494DF}">
-                <a14:hiddenLine xmlns="" xmlns:a14="http://schemas.microsoft.com/office/drawing/2010/main" w="9525">
+              <a:ext uri="{91240B29-F687-4F45-9708-019B960494DF}">
+                <a14:hiddenLine xmlns:a14="http://schemas.microsoft.com/office/drawing/2010/main" w="9525">
                   <a:solidFill>
                     <a:srgbClr val="000000"/>
                   </a:solidFill>
@@ -1290,8 +1290,8 @@
               <a:noFill/>
             </a:ln>
             <a:extLst>
-              <a:ext uri="{91240B29-F687-4f45-9708-019B960494DF}">
-                <a14:hiddenLine xmlns="" xmlns:a14="http://schemas.microsoft.com/office/drawing/2010/main" w="9525">
+              <a:ext uri="{91240B29-F687-4F45-9708-019B960494DF}">
+                <a14:hiddenLine xmlns:a14="http://schemas.microsoft.com/office/drawing/2010/main" w="9525">
                   <a:solidFill>
                     <a:srgbClr val="000000"/>
                   </a:solidFill>
@@ -1380,8 +1380,8 @@
               <a:noFill/>
             </a:ln>
             <a:extLst>
-              <a:ext uri="{91240B29-F687-4f45-9708-019B960494DF}">
-                <a14:hiddenLine xmlns="" xmlns:a14="http://schemas.microsoft.com/office/drawing/2010/main" w="9525">
+              <a:ext uri="{91240B29-F687-4F45-9708-019B960494DF}">
+                <a14:hiddenLine xmlns:a14="http://schemas.microsoft.com/office/drawing/2010/main" w="9525">
                   <a:solidFill>
                     <a:srgbClr val="000000"/>
                   </a:solidFill>
@@ -1470,8 +1470,8 @@
               <a:noFill/>
             </a:ln>
             <a:extLst>
-              <a:ext uri="{91240B29-F687-4f45-9708-019B960494DF}">
-                <a14:hiddenLine xmlns="" xmlns:a14="http://schemas.microsoft.com/office/drawing/2010/main" w="9525">
+              <a:ext uri="{91240B29-F687-4F45-9708-019B960494DF}">
+                <a14:hiddenLine xmlns:a14="http://schemas.microsoft.com/office/drawing/2010/main" w="9525">
                   <a:solidFill>
                     <a:srgbClr val="000000"/>
                   </a:solidFill>
@@ -1532,8 +1532,8 @@
               <a:noFill/>
             </a:ln>
             <a:extLst>
-              <a:ext uri="{91240B29-F687-4f45-9708-019B960494DF}">
-                <a14:hiddenLine xmlns="" xmlns:a14="http://schemas.microsoft.com/office/drawing/2010/main" w="9525">
+              <a:ext uri="{91240B29-F687-4F45-9708-019B960494DF}">
+                <a14:hiddenLine xmlns:a14="http://schemas.microsoft.com/office/drawing/2010/main" w="9525">
                   <a:solidFill>
                     <a:srgbClr val="000000"/>
                   </a:solidFill>
@@ -1622,8 +1622,8 @@
               <a:noFill/>
             </a:ln>
             <a:extLst>
-              <a:ext uri="{91240B29-F687-4f45-9708-019B960494DF}">
-                <a14:hiddenLine xmlns="" xmlns:a14="http://schemas.microsoft.com/office/drawing/2010/main" w="9525">
+              <a:ext uri="{91240B29-F687-4F45-9708-019B960494DF}">
+                <a14:hiddenLine xmlns:a14="http://schemas.microsoft.com/office/drawing/2010/main" w="9525">
                   <a:solidFill>
                     <a:srgbClr val="000000"/>
                   </a:solidFill>
@@ -1712,8 +1712,8 @@
               <a:noFill/>
             </a:ln>
             <a:extLst>
-              <a:ext uri="{91240B29-F687-4f45-9708-019B960494DF}">
-                <a14:hiddenLine xmlns="" xmlns:a14="http://schemas.microsoft.com/office/drawing/2010/main" w="9525">
+              <a:ext uri="{91240B29-F687-4F45-9708-019B960494DF}">
+                <a14:hiddenLine xmlns:a14="http://schemas.microsoft.com/office/drawing/2010/main" w="9525">
                   <a:solidFill>
                     <a:srgbClr val="000000"/>
                   </a:solidFill>
@@ -1768,8 +1768,8 @@
               <a:noFill/>
             </a:ln>
             <a:extLst>
-              <a:ext uri="{91240B29-F687-4f45-9708-019B960494DF}">
-                <a14:hiddenLine xmlns="" xmlns:a14="http://schemas.microsoft.com/office/drawing/2010/main" w="9525">
+              <a:ext uri="{91240B29-F687-4F45-9708-019B960494DF}">
+                <a14:hiddenLine xmlns:a14="http://schemas.microsoft.com/office/drawing/2010/main" w="9525">
                   <a:solidFill>
                     <a:srgbClr val="000000"/>
                   </a:solidFill>
@@ -1858,8 +1858,8 @@
               <a:noFill/>
             </a:ln>
             <a:extLst>
-              <a:ext uri="{91240B29-F687-4f45-9708-019B960494DF}">
-                <a14:hiddenLine xmlns="" xmlns:a14="http://schemas.microsoft.com/office/drawing/2010/main" w="9525">
+              <a:ext uri="{91240B29-F687-4F45-9708-019B960494DF}">
+                <a14:hiddenLine xmlns:a14="http://schemas.microsoft.com/office/drawing/2010/main" w="9525">
                   <a:solidFill>
                     <a:srgbClr val="000000"/>
                   </a:solidFill>
@@ -1914,8 +1914,8 @@
               <a:noFill/>
             </a:ln>
             <a:extLst>
-              <a:ext uri="{91240B29-F687-4f45-9708-019B960494DF}">
-                <a14:hiddenLine xmlns="" xmlns:a14="http://schemas.microsoft.com/office/drawing/2010/main" w="9525">
+              <a:ext uri="{91240B29-F687-4F45-9708-019B960494DF}">
+                <a14:hiddenLine xmlns:a14="http://schemas.microsoft.com/office/drawing/2010/main" w="9525">
                   <a:solidFill>
                     <a:srgbClr val="000000"/>
                   </a:solidFill>
@@ -2004,8 +2004,8 @@
               <a:noFill/>
             </a:ln>
             <a:extLst>
-              <a:ext uri="{91240B29-F687-4f45-9708-019B960494DF}">
-                <a14:hiddenLine xmlns="" xmlns:a14="http://schemas.microsoft.com/office/drawing/2010/main" w="9525">
+              <a:ext uri="{91240B29-F687-4F45-9708-019B960494DF}">
+                <a14:hiddenLine xmlns:a14="http://schemas.microsoft.com/office/drawing/2010/main" w="9525">
                   <a:solidFill>
                     <a:srgbClr val="000000"/>
                   </a:solidFill>
@@ -2072,8 +2072,8 @@
               <a:noFill/>
             </a:ln>
             <a:extLst>
-              <a:ext uri="{91240B29-F687-4f45-9708-019B960494DF}">
-                <a14:hiddenLine xmlns="" xmlns:a14="http://schemas.microsoft.com/office/drawing/2010/main" w="9525">
+              <a:ext uri="{91240B29-F687-4F45-9708-019B960494DF}">
+                <a14:hiddenLine xmlns:a14="http://schemas.microsoft.com/office/drawing/2010/main" w="9525">
                   <a:solidFill>
                     <a:srgbClr val="000000"/>
                   </a:solidFill>
@@ -2162,8 +2162,8 @@
               <a:noFill/>
             </a:ln>
             <a:extLst>
-              <a:ext uri="{91240B29-F687-4f45-9708-019B960494DF}">
-                <a14:hiddenLine xmlns="" xmlns:a14="http://schemas.microsoft.com/office/drawing/2010/main" w="9525">
+              <a:ext uri="{91240B29-F687-4F45-9708-019B960494DF}">
+                <a14:hiddenLine xmlns:a14="http://schemas.microsoft.com/office/drawing/2010/main" w="9525">
                   <a:solidFill>
                     <a:srgbClr val="000000"/>
                   </a:solidFill>
@@ -2230,8 +2230,8 @@
               <a:noFill/>
             </a:ln>
             <a:extLst>
-              <a:ext uri="{91240B29-F687-4f45-9708-019B960494DF}">
-                <a14:hiddenLine xmlns="" xmlns:a14="http://schemas.microsoft.com/office/drawing/2010/main" w="9525">
+              <a:ext uri="{91240B29-F687-4F45-9708-019B960494DF}">
+                <a14:hiddenLine xmlns:a14="http://schemas.microsoft.com/office/drawing/2010/main" w="9525">
                   <a:solidFill>
                     <a:srgbClr val="000000"/>
                   </a:solidFill>
@@ -2320,8 +2320,8 @@
               <a:noFill/>
             </a:ln>
             <a:extLst>
-              <a:ext uri="{91240B29-F687-4f45-9708-019B960494DF}">
-                <a14:hiddenLine xmlns="" xmlns:a14="http://schemas.microsoft.com/office/drawing/2010/main" w="9525">
+              <a:ext uri="{91240B29-F687-4F45-9708-019B960494DF}">
+                <a14:hiddenLine xmlns:a14="http://schemas.microsoft.com/office/drawing/2010/main" w="9525">
                   <a:solidFill>
                     <a:srgbClr val="000000"/>
                   </a:solidFill>
@@ -2354,8 +2354,8 @@
               <a:noFill/>
             </a:ln>
             <a:extLst>
-              <a:ext uri="{91240B29-F687-4f45-9708-019B960494DF}">
-                <a14:hiddenLine xmlns="" xmlns:a14="http://schemas.microsoft.com/office/drawing/2010/main" w="9525">
+              <a:ext uri="{91240B29-F687-4F45-9708-019B960494DF}">
+                <a14:hiddenLine xmlns:a14="http://schemas.microsoft.com/office/drawing/2010/main" w="9525">
                   <a:solidFill>
                     <a:srgbClr val="000000"/>
                   </a:solidFill>
@@ -2444,8 +2444,8 @@
               <a:noFill/>
             </a:ln>
             <a:extLst>
-              <a:ext uri="{91240B29-F687-4f45-9708-019B960494DF}">
-                <a14:hiddenLine xmlns="" xmlns:a14="http://schemas.microsoft.com/office/drawing/2010/main" w="9525">
+              <a:ext uri="{91240B29-F687-4F45-9708-019B960494DF}">
+                <a14:hiddenLine xmlns:a14="http://schemas.microsoft.com/office/drawing/2010/main" w="9525">
                   <a:solidFill>
                     <a:srgbClr val="000000"/>
                   </a:solidFill>
@@ -2506,8 +2506,8 @@
               <a:noFill/>
             </a:ln>
             <a:extLst>
-              <a:ext uri="{91240B29-F687-4f45-9708-019B960494DF}">
-                <a14:hiddenLine xmlns="" xmlns:a14="http://schemas.microsoft.com/office/drawing/2010/main" w="9525">
+              <a:ext uri="{91240B29-F687-4F45-9708-019B960494DF}">
+                <a14:hiddenLine xmlns:a14="http://schemas.microsoft.com/office/drawing/2010/main" w="9525">
                   <a:solidFill>
                     <a:srgbClr val="000000"/>
                   </a:solidFill>
@@ -2568,8 +2568,8 @@
               <a:noFill/>
             </a:ln>
             <a:extLst>
-              <a:ext uri="{91240B29-F687-4f45-9708-019B960494DF}">
-                <a14:hiddenLine xmlns="" xmlns:a14="http://schemas.microsoft.com/office/drawing/2010/main" w="9525">
+              <a:ext uri="{91240B29-F687-4F45-9708-019B960494DF}">
+                <a14:hiddenLine xmlns:a14="http://schemas.microsoft.com/office/drawing/2010/main" w="9525">
                   <a:solidFill>
                     <a:srgbClr val="000000"/>
                   </a:solidFill>
@@ -2658,8 +2658,8 @@
               <a:noFill/>
             </a:ln>
             <a:extLst>
-              <a:ext uri="{91240B29-F687-4f45-9708-019B960494DF}">
-                <a14:hiddenLine xmlns="" xmlns:a14="http://schemas.microsoft.com/office/drawing/2010/main" w="9525">
+              <a:ext uri="{91240B29-F687-4F45-9708-019B960494DF}">
+                <a14:hiddenLine xmlns:a14="http://schemas.microsoft.com/office/drawing/2010/main" w="9525">
                   <a:solidFill>
                     <a:srgbClr val="000000"/>
                   </a:solidFill>
@@ -2726,8 +2726,8 @@
               <a:noFill/>
             </a:ln>
             <a:extLst>
-              <a:ext uri="{91240B29-F687-4f45-9708-019B960494DF}">
-                <a14:hiddenLine xmlns="" xmlns:a14="http://schemas.microsoft.com/office/drawing/2010/main" w="9525">
+              <a:ext uri="{91240B29-F687-4F45-9708-019B960494DF}">
+                <a14:hiddenLine xmlns:a14="http://schemas.microsoft.com/office/drawing/2010/main" w="9525">
                   <a:solidFill>
                     <a:srgbClr val="000000"/>
                   </a:solidFill>
@@ -2788,8 +2788,8 @@
               <a:noFill/>
             </a:ln>
             <a:extLst>
-              <a:ext uri="{91240B29-F687-4f45-9708-019B960494DF}">
-                <a14:hiddenLine xmlns="" xmlns:a14="http://schemas.microsoft.com/office/drawing/2010/main" w="9525">
+              <a:ext uri="{91240B29-F687-4F45-9708-019B960494DF}">
+                <a14:hiddenLine xmlns:a14="http://schemas.microsoft.com/office/drawing/2010/main" w="9525">
                   <a:solidFill>
                     <a:srgbClr val="000000"/>
                   </a:solidFill>
@@ -2878,8 +2878,8 @@
               <a:noFill/>
             </a:ln>
             <a:extLst>
-              <a:ext uri="{91240B29-F687-4f45-9708-019B960494DF}">
-                <a14:hiddenLine xmlns="" xmlns:a14="http://schemas.microsoft.com/office/drawing/2010/main" w="9525">
+              <a:ext uri="{91240B29-F687-4F45-9708-019B960494DF}">
+                <a14:hiddenLine xmlns:a14="http://schemas.microsoft.com/office/drawing/2010/main" w="9525">
                   <a:solidFill>
                     <a:srgbClr val="000000"/>
                   </a:solidFill>
@@ -2940,8 +2940,8 @@
               <a:noFill/>
             </a:ln>
             <a:extLst>
-              <a:ext uri="{91240B29-F687-4f45-9708-019B960494DF}">
-                <a14:hiddenLine xmlns="" xmlns:a14="http://schemas.microsoft.com/office/drawing/2010/main" w="9525">
+              <a:ext uri="{91240B29-F687-4F45-9708-019B960494DF}">
+                <a14:hiddenLine xmlns:a14="http://schemas.microsoft.com/office/drawing/2010/main" w="9525">
                   <a:solidFill>
                     <a:srgbClr val="000000"/>
                   </a:solidFill>
@@ -3030,8 +3030,8 @@
               <a:noFill/>
             </a:ln>
             <a:extLst>
-              <a:ext uri="{91240B29-F687-4f45-9708-019B960494DF}">
-                <a14:hiddenLine xmlns="" xmlns:a14="http://schemas.microsoft.com/office/drawing/2010/main" w="9525">
+              <a:ext uri="{91240B29-F687-4F45-9708-019B960494DF}">
+                <a14:hiddenLine xmlns:a14="http://schemas.microsoft.com/office/drawing/2010/main" w="9525">
                   <a:solidFill>
                     <a:srgbClr val="000000"/>
                   </a:solidFill>
@@ -3092,8 +3092,8 @@
               <a:noFill/>
             </a:ln>
             <a:extLst>
-              <a:ext uri="{91240B29-F687-4f45-9708-019B960494DF}">
-                <a14:hiddenLine xmlns="" xmlns:a14="http://schemas.microsoft.com/office/drawing/2010/main" w="9525">
+              <a:ext uri="{91240B29-F687-4F45-9708-019B960494DF}">
+                <a14:hiddenLine xmlns:a14="http://schemas.microsoft.com/office/drawing/2010/main" w="9525">
                   <a:solidFill>
                     <a:srgbClr val="000000"/>
                   </a:solidFill>
@@ -3182,8 +3182,8 @@
               <a:noFill/>
             </a:ln>
             <a:extLst>
-              <a:ext uri="{91240B29-F687-4f45-9708-019B960494DF}">
-                <a14:hiddenLine xmlns="" xmlns:a14="http://schemas.microsoft.com/office/drawing/2010/main" w="9525">
+              <a:ext uri="{91240B29-F687-4F45-9708-019B960494DF}">
+                <a14:hiddenLine xmlns:a14="http://schemas.microsoft.com/office/drawing/2010/main" w="9525">
                   <a:solidFill>
                     <a:srgbClr val="000000"/>
                   </a:solidFill>
@@ -3216,8 +3216,8 @@
               <a:noFill/>
             </a:ln>
             <a:extLst>
-              <a:ext uri="{91240B29-F687-4f45-9708-019B960494DF}">
-                <a14:hiddenLine xmlns="" xmlns:a14="http://schemas.microsoft.com/office/drawing/2010/main" w="9525">
+              <a:ext uri="{91240B29-F687-4F45-9708-019B960494DF}">
+                <a14:hiddenLine xmlns:a14="http://schemas.microsoft.com/office/drawing/2010/main" w="9525">
                   <a:solidFill>
                     <a:srgbClr val="000000"/>
                   </a:solidFill>
@@ -3281,8 +3281,8 @@
               <a:noFill/>
             </a:ln>
             <a:extLst>
-              <a:ext uri="{91240B29-F687-4f45-9708-019B960494DF}">
-                <a14:hiddenLine xmlns="" xmlns:a14="http://schemas.microsoft.com/office/drawing/2010/main" w="9525">
+              <a:ext uri="{91240B29-F687-4F45-9708-019B960494DF}">
+                <a14:hiddenLine xmlns:a14="http://schemas.microsoft.com/office/drawing/2010/main" w="9525">
                   <a:solidFill>
                     <a:srgbClr val="000000"/>
                   </a:solidFill>
@@ -3371,8 +3371,8 @@
               <a:noFill/>
             </a:ln>
             <a:extLst>
-              <a:ext uri="{91240B29-F687-4f45-9708-019B960494DF}">
-                <a14:hiddenLine xmlns="" xmlns:a14="http://schemas.microsoft.com/office/drawing/2010/main" w="9525">
+              <a:ext uri="{91240B29-F687-4F45-9708-019B960494DF}">
+                <a14:hiddenLine xmlns:a14="http://schemas.microsoft.com/office/drawing/2010/main" w="9525">
                   <a:solidFill>
                     <a:srgbClr val="000000"/>
                   </a:solidFill>
@@ -3433,8 +3433,8 @@
               <a:noFill/>
             </a:ln>
             <a:extLst>
-              <a:ext uri="{91240B29-F687-4f45-9708-019B960494DF}">
-                <a14:hiddenLine xmlns="" xmlns:a14="http://schemas.microsoft.com/office/drawing/2010/main" w="9525">
+              <a:ext uri="{91240B29-F687-4F45-9708-019B960494DF}">
+                <a14:hiddenLine xmlns:a14="http://schemas.microsoft.com/office/drawing/2010/main" w="9525">
                   <a:solidFill>
                     <a:srgbClr val="000000"/>
                   </a:solidFill>
@@ -3523,8 +3523,8 @@
               <a:noFill/>
             </a:ln>
             <a:extLst>
-              <a:ext uri="{91240B29-F687-4f45-9708-019B960494DF}">
-                <a14:hiddenLine xmlns="" xmlns:a14="http://schemas.microsoft.com/office/drawing/2010/main" w="9525">
+              <a:ext uri="{91240B29-F687-4F45-9708-019B960494DF}">
+                <a14:hiddenLine xmlns:a14="http://schemas.microsoft.com/office/drawing/2010/main" w="9525">
                   <a:solidFill>
                     <a:srgbClr val="000000"/>
                   </a:solidFill>
@@ -3613,8 +3613,8 @@
               <a:noFill/>
             </a:ln>
             <a:extLst>
-              <a:ext uri="{91240B29-F687-4f45-9708-019B960494DF}">
-                <a14:hiddenLine xmlns="" xmlns:a14="http://schemas.microsoft.com/office/drawing/2010/main" w="9525">
+              <a:ext uri="{91240B29-F687-4F45-9708-019B960494DF}">
+                <a14:hiddenLine xmlns:a14="http://schemas.microsoft.com/office/drawing/2010/main" w="9525">
                   <a:solidFill>
                     <a:srgbClr val="000000"/>
                   </a:solidFill>
@@ -3678,8 +3678,8 @@
               <a:noFill/>
             </a:ln>
             <a:extLst>
-              <a:ext uri="{91240B29-F687-4f45-9708-019B960494DF}">
-                <a14:hiddenLine xmlns="" xmlns:a14="http://schemas.microsoft.com/office/drawing/2010/main" w="9525">
+              <a:ext uri="{91240B29-F687-4F45-9708-019B960494DF}">
+                <a14:hiddenLine xmlns:a14="http://schemas.microsoft.com/office/drawing/2010/main" w="9525">
                   <a:solidFill>
                     <a:srgbClr val="000000"/>
                   </a:solidFill>
@@ -3740,8 +3740,8 @@
               <a:noFill/>
             </a:ln>
             <a:extLst>
-              <a:ext uri="{91240B29-F687-4f45-9708-019B960494DF}">
-                <a14:hiddenLine xmlns="" xmlns:a14="http://schemas.microsoft.com/office/drawing/2010/main" w="9525">
+              <a:ext uri="{91240B29-F687-4F45-9708-019B960494DF}">
+                <a14:hiddenLine xmlns:a14="http://schemas.microsoft.com/office/drawing/2010/main" w="9525">
                   <a:solidFill>
                     <a:srgbClr val="000000"/>
                   </a:solidFill>
@@ -3830,8 +3830,8 @@
               <a:noFill/>
             </a:ln>
             <a:extLst>
-              <a:ext uri="{91240B29-F687-4f45-9708-019B960494DF}">
-                <a14:hiddenLine xmlns="" xmlns:a14="http://schemas.microsoft.com/office/drawing/2010/main" w="9525">
+              <a:ext uri="{91240B29-F687-4F45-9708-019B960494DF}">
+                <a14:hiddenLine xmlns:a14="http://schemas.microsoft.com/office/drawing/2010/main" w="9525">
                   <a:solidFill>
                     <a:srgbClr val="000000"/>
                   </a:solidFill>
@@ -3920,8 +3920,8 @@
               <a:noFill/>
             </a:ln>
             <a:extLst>
-              <a:ext uri="{91240B29-F687-4f45-9708-019B960494DF}">
-                <a14:hiddenLine xmlns="" xmlns:a14="http://schemas.microsoft.com/office/drawing/2010/main" w="9525">
+              <a:ext uri="{91240B29-F687-4F45-9708-019B960494DF}">
+                <a14:hiddenLine xmlns:a14="http://schemas.microsoft.com/office/drawing/2010/main" w="9525">
                   <a:solidFill>
                     <a:srgbClr val="000000"/>
                   </a:solidFill>
@@ -3982,8 +3982,8 @@
               <a:noFill/>
             </a:ln>
             <a:extLst>
-              <a:ext uri="{91240B29-F687-4f45-9708-019B960494DF}">
-                <a14:hiddenLine xmlns="" xmlns:a14="http://schemas.microsoft.com/office/drawing/2010/main" w="9525">
+              <a:ext uri="{91240B29-F687-4F45-9708-019B960494DF}">
+                <a14:hiddenLine xmlns:a14="http://schemas.microsoft.com/office/drawing/2010/main" w="9525">
                   <a:solidFill>
                     <a:srgbClr val="000000"/>
                   </a:solidFill>
@@ -4102,8 +4102,8 @@
               <a:noFill/>
             </a:ln>
             <a:extLst>
-              <a:ext uri="{91240B29-F687-4f45-9708-019B960494DF}">
-                <a14:hiddenLine xmlns="" xmlns:a14="http://schemas.microsoft.com/office/drawing/2010/main" w="9525">
+              <a:ext uri="{91240B29-F687-4F45-9708-019B960494DF}">
+                <a14:hiddenLine xmlns:a14="http://schemas.microsoft.com/office/drawing/2010/main" w="9525">
                   <a:solidFill>
                     <a:srgbClr val="000000"/>
                   </a:solidFill>
@@ -4170,8 +4170,8 @@
               <a:noFill/>
             </a:ln>
             <a:extLst>
-              <a:ext uri="{91240B29-F687-4f45-9708-019B960494DF}">
-                <a14:hiddenLine xmlns="" xmlns:a14="http://schemas.microsoft.com/office/drawing/2010/main" w="9525">
+              <a:ext uri="{91240B29-F687-4F45-9708-019B960494DF}">
+                <a14:hiddenLine xmlns:a14="http://schemas.microsoft.com/office/drawing/2010/main" w="9525">
                   <a:solidFill>
                     <a:srgbClr val="000000"/>
                   </a:solidFill>
@@ -4260,8 +4260,8 @@
               <a:noFill/>
             </a:ln>
             <a:extLst>
-              <a:ext uri="{91240B29-F687-4f45-9708-019B960494DF}">
-                <a14:hiddenLine xmlns="" xmlns:a14="http://schemas.microsoft.com/office/drawing/2010/main" w="9525">
+              <a:ext uri="{91240B29-F687-4F45-9708-019B960494DF}">
+                <a14:hiddenLine xmlns:a14="http://schemas.microsoft.com/office/drawing/2010/main" w="9525">
                   <a:solidFill>
                     <a:srgbClr val="000000"/>
                   </a:solidFill>
@@ -4401,7 +4401,7 @@
           <a:p>
             <a:fld id="{48A87A34-81AB-432B-8DAE-1953F412C126}" type="datetimeFigureOut">
               <a:rPr lang="en-US" dirty="0"/>
-              <a:t>3/16/2017</a:t>
+              <a:t>10/9/2019</a:t>
             </a:fld>
             <a:endParaRPr lang="en-US" dirty="0"/>
           </a:p>
@@ -4663,7 +4663,7 @@
           <a:p>
             <a:fld id="{48A87A34-81AB-432B-8DAE-1953F412C126}" type="datetimeFigureOut">
               <a:rPr lang="en-US" dirty="0"/>
-              <a:t>3/16/2017</a:t>
+              <a:t>10/9/2019</a:t>
             </a:fld>
             <a:endParaRPr lang="en-US" dirty="0"/>
           </a:p>
@@ -4854,7 +4854,7 @@
           <a:p>
             <a:fld id="{48A87A34-81AB-432B-8DAE-1953F412C126}" type="datetimeFigureOut">
               <a:rPr lang="en-US" dirty="0"/>
-              <a:t>3/16/2017</a:t>
+              <a:t>10/9/2019</a:t>
             </a:fld>
             <a:endParaRPr lang="en-US" dirty="0"/>
           </a:p>
@@ -5112,7 +5112,7 @@
           <a:p>
             <a:fld id="{48A87A34-81AB-432B-8DAE-1953F412C126}" type="datetimeFigureOut">
               <a:rPr lang="en-US" dirty="0"/>
-              <a:t>3/16/2017</a:t>
+              <a:t>10/9/2019</a:t>
             </a:fld>
             <a:endParaRPr lang="en-US" dirty="0"/>
           </a:p>
@@ -5541,7 +5541,7 @@
           <a:p>
             <a:fld id="{48A87A34-81AB-432B-8DAE-1953F412C126}" type="datetimeFigureOut">
               <a:rPr lang="en-US" dirty="0"/>
-              <a:t>3/16/2017</a:t>
+              <a:t>10/9/2019</a:t>
             </a:fld>
             <a:endParaRPr lang="en-US" dirty="0"/>
           </a:p>
@@ -6082,7 +6082,7 @@
           <a:p>
             <a:fld id="{48A87A34-81AB-432B-8DAE-1953F412C126}" type="datetimeFigureOut">
               <a:rPr lang="en-US" dirty="0"/>
-              <a:t>3/16/2017</a:t>
+              <a:t>10/9/2019</a:t>
             </a:fld>
             <a:endParaRPr lang="en-US" dirty="0"/>
           </a:p>
@@ -6797,7 +6797,7 @@
           <a:p>
             <a:fld id="{48A87A34-81AB-432B-8DAE-1953F412C126}" type="datetimeFigureOut">
               <a:rPr lang="en-US" dirty="0"/>
-              <a:t>3/16/2017</a:t>
+              <a:t>10/9/2019</a:t>
             </a:fld>
             <a:endParaRPr lang="en-US" dirty="0"/>
           </a:p>
@@ -6962,7 +6962,7 @@
           <a:p>
             <a:fld id="{48A87A34-81AB-432B-8DAE-1953F412C126}" type="datetimeFigureOut">
               <a:rPr lang="en-US" dirty="0"/>
-              <a:t>3/16/2017</a:t>
+              <a:t>10/9/2019</a:t>
             </a:fld>
             <a:endParaRPr lang="en-US" dirty="0"/>
           </a:p>
@@ -7137,7 +7137,7 @@
           <a:p>
             <a:fld id="{48A87A34-81AB-432B-8DAE-1953F412C126}" type="datetimeFigureOut">
               <a:rPr lang="en-US" dirty="0"/>
-              <a:t>3/16/2017</a:t>
+              <a:t>10/9/2019</a:t>
             </a:fld>
             <a:endParaRPr lang="en-US" dirty="0"/>
           </a:p>
@@ -7302,7 +7302,7 @@
           <a:p>
             <a:fld id="{48A87A34-81AB-432B-8DAE-1953F412C126}" type="datetimeFigureOut">
               <a:rPr lang="en-US" dirty="0"/>
-              <a:t>3/16/2017</a:t>
+              <a:t>10/9/2019</a:t>
             </a:fld>
             <a:endParaRPr lang="en-US" dirty="0"/>
           </a:p>
@@ -7547,7 +7547,7 @@
           <a:p>
             <a:fld id="{48A87A34-81AB-432B-8DAE-1953F412C126}" type="datetimeFigureOut">
               <a:rPr lang="en-US" dirty="0"/>
-              <a:t>3/16/2017</a:t>
+              <a:t>10/9/2019</a:t>
             </a:fld>
             <a:endParaRPr lang="en-US" dirty="0"/>
           </a:p>
@@ -7774,7 +7774,7 @@
           <a:p>
             <a:fld id="{48A87A34-81AB-432B-8DAE-1953F412C126}" type="datetimeFigureOut">
               <a:rPr lang="en-US" dirty="0"/>
-              <a:t>3/16/2017</a:t>
+              <a:t>10/9/2019</a:t>
             </a:fld>
             <a:endParaRPr lang="en-US" dirty="0"/>
           </a:p>
@@ -8150,7 +8150,7 @@
           <a:p>
             <a:fld id="{48A87A34-81AB-432B-8DAE-1953F412C126}" type="datetimeFigureOut">
               <a:rPr lang="en-US" dirty="0"/>
-              <a:t>3/16/2017</a:t>
+              <a:t>10/9/2019</a:t>
             </a:fld>
             <a:endParaRPr lang="en-US" dirty="0"/>
           </a:p>
@@ -8263,7 +8263,7 @@
           <a:p>
             <a:fld id="{48A87A34-81AB-432B-8DAE-1953F412C126}" type="datetimeFigureOut">
               <a:rPr lang="en-US" dirty="0"/>
-              <a:t>3/16/2017</a:t>
+              <a:t>10/9/2019</a:t>
             </a:fld>
             <a:endParaRPr lang="en-US" dirty="0"/>
           </a:p>
@@ -8353,7 +8353,7 @@
           <a:p>
             <a:fld id="{48A87A34-81AB-432B-8DAE-1953F412C126}" type="datetimeFigureOut">
               <a:rPr lang="en-US" dirty="0"/>
-              <a:t>3/16/2017</a:t>
+              <a:t>10/9/2019</a:t>
             </a:fld>
             <a:endParaRPr lang="en-US" dirty="0"/>
           </a:p>
@@ -8597,7 +8597,7 @@
           <a:p>
             <a:fld id="{48A87A34-81AB-432B-8DAE-1953F412C126}" type="datetimeFigureOut">
               <a:rPr lang="en-US" dirty="0"/>
-              <a:t>3/16/2017</a:t>
+              <a:t>10/9/2019</a:t>
             </a:fld>
             <a:endParaRPr lang="en-US" dirty="0"/>
           </a:p>
@@ -8872,7 +8872,7 @@
           <a:p>
             <a:fld id="{48A87A34-81AB-432B-8DAE-1953F412C126}" type="datetimeFigureOut">
               <a:rPr lang="en-US" dirty="0"/>
-              <a:t>3/16/2017</a:t>
+              <a:t>10/9/2019</a:t>
             </a:fld>
             <a:endParaRPr lang="en-US" dirty="0"/>
           </a:p>
@@ -8982,8 +8982,8 @@
           </a:prstGeom>
           <a:noFill/>
           <a:extLst>
-            <a:ext uri="{909E8E84-426E-40dd-AFC4-6F175D3DCCD1}">
-              <a14:hiddenFill xmlns="" xmlns:a14="http://schemas.microsoft.com/office/drawing/2010/main">
+            <a:ext uri="{909E8E84-426E-40DD-AFC4-6F175D3DCCD1}">
+              <a14:hiddenFill xmlns:a14="http://schemas.microsoft.com/office/drawing/2010/main">
                 <a:solidFill>
                   <a:srgbClr val="FFFFFF"/>
                 </a:solidFill>
@@ -9056,8 +9056,8 @@
                 <a:noFill/>
               </a:ln>
               <a:extLst>
-                <a:ext uri="{91240B29-F687-4f45-9708-019B960494DF}">
-                  <a14:hiddenLine xmlns="" xmlns:a14="http://schemas.microsoft.com/office/drawing/2010/main" w="9525">
+                <a:ext uri="{91240B29-F687-4F45-9708-019B960494DF}">
+                  <a14:hiddenLine xmlns:a14="http://schemas.microsoft.com/office/drawing/2010/main" w="9525">
                     <a:solidFill>
                       <a:srgbClr val="000000"/>
                     </a:solidFill>
@@ -9146,8 +9146,8 @@
                 <a:noFill/>
               </a:ln>
               <a:extLst>
-                <a:ext uri="{91240B29-F687-4f45-9708-019B960494DF}">
-                  <a14:hiddenLine xmlns="" xmlns:a14="http://schemas.microsoft.com/office/drawing/2010/main" w="9525">
+                <a:ext uri="{91240B29-F687-4F45-9708-019B960494DF}">
+                  <a14:hiddenLine xmlns:a14="http://schemas.microsoft.com/office/drawing/2010/main" w="9525">
                     <a:solidFill>
                       <a:srgbClr val="000000"/>
                     </a:solidFill>
@@ -9236,8 +9236,8 @@
                 <a:noFill/>
               </a:ln>
               <a:extLst>
-                <a:ext uri="{91240B29-F687-4f45-9708-019B960494DF}">
-                  <a14:hiddenLine xmlns="" xmlns:a14="http://schemas.microsoft.com/office/drawing/2010/main" w="9525">
+                <a:ext uri="{91240B29-F687-4F45-9708-019B960494DF}">
+                  <a14:hiddenLine xmlns:a14="http://schemas.microsoft.com/office/drawing/2010/main" w="9525">
                     <a:solidFill>
                       <a:srgbClr val="000000"/>
                     </a:solidFill>
@@ -9298,8 +9298,8 @@
                 <a:noFill/>
               </a:ln>
               <a:extLst>
-                <a:ext uri="{91240B29-F687-4f45-9708-019B960494DF}">
-                  <a14:hiddenLine xmlns="" xmlns:a14="http://schemas.microsoft.com/office/drawing/2010/main" w="9525">
+                <a:ext uri="{91240B29-F687-4F45-9708-019B960494DF}">
+                  <a14:hiddenLine xmlns:a14="http://schemas.microsoft.com/office/drawing/2010/main" w="9525">
                     <a:solidFill>
                       <a:srgbClr val="000000"/>
                     </a:solidFill>
@@ -9388,8 +9388,8 @@
                 <a:noFill/>
               </a:ln>
               <a:extLst>
-                <a:ext uri="{91240B29-F687-4f45-9708-019B960494DF}">
-                  <a14:hiddenLine xmlns="" xmlns:a14="http://schemas.microsoft.com/office/drawing/2010/main" w="9525">
+                <a:ext uri="{91240B29-F687-4F45-9708-019B960494DF}">
+                  <a14:hiddenLine xmlns:a14="http://schemas.microsoft.com/office/drawing/2010/main" w="9525">
                     <a:solidFill>
                       <a:srgbClr val="000000"/>
                     </a:solidFill>
@@ -9450,8 +9450,8 @@
                 <a:noFill/>
               </a:ln>
               <a:extLst>
-                <a:ext uri="{91240B29-F687-4f45-9708-019B960494DF}">
-                  <a14:hiddenLine xmlns="" xmlns:a14="http://schemas.microsoft.com/office/drawing/2010/main" w="9525">
+                <a:ext uri="{91240B29-F687-4F45-9708-019B960494DF}">
+                  <a14:hiddenLine xmlns:a14="http://schemas.microsoft.com/office/drawing/2010/main" w="9525">
                     <a:solidFill>
                       <a:srgbClr val="000000"/>
                     </a:solidFill>
@@ -9512,8 +9512,8 @@
                 <a:noFill/>
               </a:ln>
               <a:extLst>
-                <a:ext uri="{91240B29-F687-4f45-9708-019B960494DF}">
-                  <a14:hiddenLine xmlns="" xmlns:a14="http://schemas.microsoft.com/office/drawing/2010/main" w="9525">
+                <a:ext uri="{91240B29-F687-4F45-9708-019B960494DF}">
+                  <a14:hiddenLine xmlns:a14="http://schemas.microsoft.com/office/drawing/2010/main" w="9525">
                     <a:solidFill>
                       <a:srgbClr val="000000"/>
                     </a:solidFill>
@@ -9602,8 +9602,8 @@
                 <a:noFill/>
               </a:ln>
               <a:extLst>
-                <a:ext uri="{91240B29-F687-4f45-9708-019B960494DF}">
-                  <a14:hiddenLine xmlns="" xmlns:a14="http://schemas.microsoft.com/office/drawing/2010/main" w="9525">
+                <a:ext uri="{91240B29-F687-4F45-9708-019B960494DF}">
+                  <a14:hiddenLine xmlns:a14="http://schemas.microsoft.com/office/drawing/2010/main" w="9525">
                     <a:solidFill>
                       <a:srgbClr val="000000"/>
                     </a:solidFill>
@@ -9692,8 +9692,8 @@
                 <a:noFill/>
               </a:ln>
               <a:extLst>
-                <a:ext uri="{91240B29-F687-4f45-9708-019B960494DF}">
-                  <a14:hiddenLine xmlns="" xmlns:a14="http://schemas.microsoft.com/office/drawing/2010/main" w="9525">
+                <a:ext uri="{91240B29-F687-4F45-9708-019B960494DF}">
+                  <a14:hiddenLine xmlns:a14="http://schemas.microsoft.com/office/drawing/2010/main" w="9525">
                     <a:solidFill>
                       <a:srgbClr val="000000"/>
                     </a:solidFill>
@@ -9754,8 +9754,8 @@
                 <a:noFill/>
               </a:ln>
               <a:extLst>
-                <a:ext uri="{91240B29-F687-4f45-9708-019B960494DF}">
-                  <a14:hiddenLine xmlns="" xmlns:a14="http://schemas.microsoft.com/office/drawing/2010/main" w="9525">
+                <a:ext uri="{91240B29-F687-4F45-9708-019B960494DF}">
+                  <a14:hiddenLine xmlns:a14="http://schemas.microsoft.com/office/drawing/2010/main" w="9525">
                     <a:solidFill>
                       <a:srgbClr val="000000"/>
                     </a:solidFill>
@@ -9864,8 +9864,8 @@
                 <a:noFill/>
               </a:ln>
               <a:extLst>
-                <a:ext uri="{91240B29-F687-4f45-9708-019B960494DF}">
-                  <a14:hiddenLine xmlns="" xmlns:a14="http://schemas.microsoft.com/office/drawing/2010/main" w="9525">
+                <a:ext uri="{91240B29-F687-4F45-9708-019B960494DF}">
+                  <a14:hiddenLine xmlns:a14="http://schemas.microsoft.com/office/drawing/2010/main" w="9525">
                     <a:solidFill>
                       <a:srgbClr val="000000"/>
                     </a:solidFill>
@@ -9948,8 +9948,8 @@
                 <a:noFill/>
               </a:ln>
               <a:extLst>
-                <a:ext uri="{91240B29-F687-4f45-9708-019B960494DF}">
-                  <a14:hiddenLine xmlns="" xmlns:a14="http://schemas.microsoft.com/office/drawing/2010/main" w="9525">
+                <a:ext uri="{91240B29-F687-4F45-9708-019B960494DF}">
+                  <a14:hiddenLine xmlns:a14="http://schemas.microsoft.com/office/drawing/2010/main" w="9525">
                     <a:solidFill>
                       <a:srgbClr val="000000"/>
                     </a:solidFill>
@@ -10010,8 +10010,8 @@
                 <a:noFill/>
               </a:ln>
               <a:extLst>
-                <a:ext uri="{91240B29-F687-4f45-9708-019B960494DF}">
-                  <a14:hiddenLine xmlns="" xmlns:a14="http://schemas.microsoft.com/office/drawing/2010/main" w="9525">
+                <a:ext uri="{91240B29-F687-4F45-9708-019B960494DF}">
+                  <a14:hiddenLine xmlns:a14="http://schemas.microsoft.com/office/drawing/2010/main" w="9525">
                     <a:solidFill>
                       <a:srgbClr val="000000"/>
                     </a:solidFill>
@@ -10072,8 +10072,8 @@
                 <a:noFill/>
               </a:ln>
               <a:extLst>
-                <a:ext uri="{91240B29-F687-4f45-9708-019B960494DF}">
-                  <a14:hiddenLine xmlns="" xmlns:a14="http://schemas.microsoft.com/office/drawing/2010/main" w="9525">
+                <a:ext uri="{91240B29-F687-4F45-9708-019B960494DF}">
+                  <a14:hiddenLine xmlns:a14="http://schemas.microsoft.com/office/drawing/2010/main" w="9525">
                     <a:solidFill>
                       <a:srgbClr val="000000"/>
                     </a:solidFill>
@@ -10162,8 +10162,8 @@
                 <a:noFill/>
               </a:ln>
               <a:extLst>
-                <a:ext uri="{91240B29-F687-4f45-9708-019B960494DF}">
-                  <a14:hiddenLine xmlns="" xmlns:a14="http://schemas.microsoft.com/office/drawing/2010/main" w="9525">
+                <a:ext uri="{91240B29-F687-4F45-9708-019B960494DF}">
+                  <a14:hiddenLine xmlns:a14="http://schemas.microsoft.com/office/drawing/2010/main" w="9525">
                     <a:solidFill>
                       <a:srgbClr val="000000"/>
                     </a:solidFill>
@@ -10196,8 +10196,8 @@
                 <a:noFill/>
               </a:ln>
               <a:extLst>
-                <a:ext uri="{91240B29-F687-4f45-9708-019B960494DF}">
-                  <a14:hiddenLine xmlns="" xmlns:a14="http://schemas.microsoft.com/office/drawing/2010/main" w="9525">
+                <a:ext uri="{91240B29-F687-4F45-9708-019B960494DF}">
+                  <a14:hiddenLine xmlns:a14="http://schemas.microsoft.com/office/drawing/2010/main" w="9525">
                     <a:solidFill>
                       <a:srgbClr val="000000"/>
                     </a:solidFill>
@@ -10261,8 +10261,8 @@
                 <a:noFill/>
               </a:ln>
               <a:extLst>
-                <a:ext uri="{91240B29-F687-4f45-9708-019B960494DF}">
-                  <a14:hiddenLine xmlns="" xmlns:a14="http://schemas.microsoft.com/office/drawing/2010/main" w="9525">
+                <a:ext uri="{91240B29-F687-4F45-9708-019B960494DF}">
+                  <a14:hiddenLine xmlns:a14="http://schemas.microsoft.com/office/drawing/2010/main" w="9525">
                     <a:solidFill>
                       <a:srgbClr val="000000"/>
                     </a:solidFill>
@@ -10351,8 +10351,8 @@
                 <a:noFill/>
               </a:ln>
               <a:extLst>
-                <a:ext uri="{91240B29-F687-4f45-9708-019B960494DF}">
-                  <a14:hiddenLine xmlns="" xmlns:a14="http://schemas.microsoft.com/office/drawing/2010/main" w="9525">
+                <a:ext uri="{91240B29-F687-4F45-9708-019B960494DF}">
+                  <a14:hiddenLine xmlns:a14="http://schemas.microsoft.com/office/drawing/2010/main" w="9525">
                     <a:solidFill>
                       <a:srgbClr val="000000"/>
                     </a:solidFill>
@@ -10413,8 +10413,8 @@
                 <a:noFill/>
               </a:ln>
               <a:extLst>
-                <a:ext uri="{91240B29-F687-4f45-9708-019B960494DF}">
-                  <a14:hiddenLine xmlns="" xmlns:a14="http://schemas.microsoft.com/office/drawing/2010/main" w="9525">
+                <a:ext uri="{91240B29-F687-4F45-9708-019B960494DF}">
+                  <a14:hiddenLine xmlns:a14="http://schemas.microsoft.com/office/drawing/2010/main" w="9525">
                     <a:solidFill>
                       <a:srgbClr val="000000"/>
                     </a:solidFill>
@@ -10503,8 +10503,8 @@
                 <a:noFill/>
               </a:ln>
               <a:extLst>
-                <a:ext uri="{91240B29-F687-4f45-9708-019B960494DF}">
-                  <a14:hiddenLine xmlns="" xmlns:a14="http://schemas.microsoft.com/office/drawing/2010/main" w="9525">
+                <a:ext uri="{91240B29-F687-4F45-9708-019B960494DF}">
+                  <a14:hiddenLine xmlns:a14="http://schemas.microsoft.com/office/drawing/2010/main" w="9525">
                     <a:solidFill>
                       <a:srgbClr val="000000"/>
                     </a:solidFill>
@@ -10568,8 +10568,8 @@
                 <a:noFill/>
               </a:ln>
               <a:extLst>
-                <a:ext uri="{91240B29-F687-4f45-9708-019B960494DF}">
-                  <a14:hiddenLine xmlns="" xmlns:a14="http://schemas.microsoft.com/office/drawing/2010/main" w="9525">
+                <a:ext uri="{91240B29-F687-4F45-9708-019B960494DF}">
+                  <a14:hiddenLine xmlns:a14="http://schemas.microsoft.com/office/drawing/2010/main" w="9525">
                     <a:solidFill>
                       <a:srgbClr val="000000"/>
                     </a:solidFill>
@@ -10630,8 +10630,8 @@
                 <a:noFill/>
               </a:ln>
               <a:extLst>
-                <a:ext uri="{91240B29-F687-4f45-9708-019B960494DF}">
-                  <a14:hiddenLine xmlns="" xmlns:a14="http://schemas.microsoft.com/office/drawing/2010/main" w="9525">
+                <a:ext uri="{91240B29-F687-4F45-9708-019B960494DF}">
+                  <a14:hiddenLine xmlns:a14="http://schemas.microsoft.com/office/drawing/2010/main" w="9525">
                     <a:solidFill>
                       <a:srgbClr val="000000"/>
                     </a:solidFill>
@@ -10720,8 +10720,8 @@
                 <a:noFill/>
               </a:ln>
               <a:extLst>
-                <a:ext uri="{91240B29-F687-4f45-9708-019B960494DF}">
-                  <a14:hiddenLine xmlns="" xmlns:a14="http://schemas.microsoft.com/office/drawing/2010/main" w="9525">
+                <a:ext uri="{91240B29-F687-4F45-9708-019B960494DF}">
+                  <a14:hiddenLine xmlns:a14="http://schemas.microsoft.com/office/drawing/2010/main" w="9525">
                     <a:solidFill>
                       <a:srgbClr val="000000"/>
                     </a:solidFill>
@@ -10810,8 +10810,8 @@
                 <a:noFill/>
               </a:ln>
               <a:extLst>
-                <a:ext uri="{91240B29-F687-4f45-9708-019B960494DF}">
-                  <a14:hiddenLine xmlns="" xmlns:a14="http://schemas.microsoft.com/office/drawing/2010/main" w="9525">
+                <a:ext uri="{91240B29-F687-4F45-9708-019B960494DF}">
+                  <a14:hiddenLine xmlns:a14="http://schemas.microsoft.com/office/drawing/2010/main" w="9525">
                     <a:solidFill>
                       <a:srgbClr val="000000"/>
                     </a:solidFill>
@@ -10875,8 +10875,8 @@
                 <a:noFill/>
               </a:ln>
               <a:extLst>
-                <a:ext uri="{91240B29-F687-4f45-9708-019B960494DF}">
-                  <a14:hiddenLine xmlns="" xmlns:a14="http://schemas.microsoft.com/office/drawing/2010/main" w="9525">
+                <a:ext uri="{91240B29-F687-4F45-9708-019B960494DF}">
+                  <a14:hiddenLine xmlns:a14="http://schemas.microsoft.com/office/drawing/2010/main" w="9525">
                     <a:solidFill>
                       <a:srgbClr val="000000"/>
                     </a:solidFill>
@@ -10995,8 +10995,8 @@
                 <a:noFill/>
               </a:ln>
               <a:extLst>
-                <a:ext uri="{91240B29-F687-4f45-9708-019B960494DF}">
-                  <a14:hiddenLine xmlns="" xmlns:a14="http://schemas.microsoft.com/office/drawing/2010/main" w="9525">
+                <a:ext uri="{91240B29-F687-4F45-9708-019B960494DF}">
+                  <a14:hiddenLine xmlns:a14="http://schemas.microsoft.com/office/drawing/2010/main" w="9525">
                     <a:solidFill>
                       <a:srgbClr val="000000"/>
                     </a:solidFill>
@@ -11093,8 +11093,8 @@
                 <a:noFill/>
               </a:ln>
               <a:extLst>
-                <a:ext uri="{91240B29-F687-4f45-9708-019B960494DF}">
-                  <a14:hiddenLine xmlns="" xmlns:a14="http://schemas.microsoft.com/office/drawing/2010/main" w="9525">
+                <a:ext uri="{91240B29-F687-4F45-9708-019B960494DF}">
+                  <a14:hiddenLine xmlns:a14="http://schemas.microsoft.com/office/drawing/2010/main" w="9525">
                     <a:solidFill>
                       <a:srgbClr val="000000"/>
                     </a:solidFill>
@@ -11208,8 +11208,8 @@
                 <a:noFill/>
               </a:ln>
               <a:extLst>
-                <a:ext uri="{91240B29-F687-4f45-9708-019B960494DF}">
-                  <a14:hiddenLine xmlns="" xmlns:a14="http://schemas.microsoft.com/office/drawing/2010/main" w="9525">
+                <a:ext uri="{91240B29-F687-4F45-9708-019B960494DF}">
+                  <a14:hiddenLine xmlns:a14="http://schemas.microsoft.com/office/drawing/2010/main" w="9525">
                     <a:solidFill>
                       <a:srgbClr val="000000"/>
                     </a:solidFill>
@@ -11298,8 +11298,8 @@
                 <a:noFill/>
               </a:ln>
               <a:extLst>
-                <a:ext uri="{91240B29-F687-4f45-9708-019B960494DF}">
-                  <a14:hiddenLine xmlns="" xmlns:a14="http://schemas.microsoft.com/office/drawing/2010/main" w="9525">
+                <a:ext uri="{91240B29-F687-4F45-9708-019B960494DF}">
+                  <a14:hiddenLine xmlns:a14="http://schemas.microsoft.com/office/drawing/2010/main" w="9525">
                     <a:solidFill>
                       <a:srgbClr val="000000"/>
                     </a:solidFill>
@@ -11363,8 +11363,8 @@
                 <a:noFill/>
               </a:ln>
               <a:extLst>
-                <a:ext uri="{91240B29-F687-4f45-9708-019B960494DF}">
-                  <a14:hiddenLine xmlns="" xmlns:a14="http://schemas.microsoft.com/office/drawing/2010/main" w="9525">
+                <a:ext uri="{91240B29-F687-4F45-9708-019B960494DF}">
+                  <a14:hiddenLine xmlns:a14="http://schemas.microsoft.com/office/drawing/2010/main" w="9525">
                     <a:solidFill>
                       <a:srgbClr val="000000"/>
                     </a:solidFill>
@@ -11453,8 +11453,8 @@
                 <a:noFill/>
               </a:ln>
               <a:extLst>
-                <a:ext uri="{91240B29-F687-4f45-9708-019B960494DF}">
-                  <a14:hiddenLine xmlns="" xmlns:a14="http://schemas.microsoft.com/office/drawing/2010/main" w="9525">
+                <a:ext uri="{91240B29-F687-4F45-9708-019B960494DF}">
+                  <a14:hiddenLine xmlns:a14="http://schemas.microsoft.com/office/drawing/2010/main" w="9525">
                     <a:solidFill>
                       <a:srgbClr val="000000"/>
                     </a:solidFill>
@@ -11521,8 +11521,8 @@
                 <a:noFill/>
               </a:ln>
               <a:extLst>
-                <a:ext uri="{91240B29-F687-4f45-9708-019B960494DF}">
-                  <a14:hiddenLine xmlns="" xmlns:a14="http://schemas.microsoft.com/office/drawing/2010/main" w="9525">
+                <a:ext uri="{91240B29-F687-4F45-9708-019B960494DF}">
+                  <a14:hiddenLine xmlns:a14="http://schemas.microsoft.com/office/drawing/2010/main" w="9525">
                     <a:solidFill>
                       <a:srgbClr val="000000"/>
                     </a:solidFill>
@@ -11611,8 +11611,8 @@
                 <a:noFill/>
               </a:ln>
               <a:extLst>
-                <a:ext uri="{91240B29-F687-4f45-9708-019B960494DF}">
-                  <a14:hiddenLine xmlns="" xmlns:a14="http://schemas.microsoft.com/office/drawing/2010/main" w="9525">
+                <a:ext uri="{91240B29-F687-4F45-9708-019B960494DF}">
+                  <a14:hiddenLine xmlns:a14="http://schemas.microsoft.com/office/drawing/2010/main" w="9525">
                     <a:solidFill>
                       <a:srgbClr val="000000"/>
                     </a:solidFill>
@@ -11679,8 +11679,8 @@
                 <a:noFill/>
               </a:ln>
               <a:extLst>
-                <a:ext uri="{91240B29-F687-4f45-9708-019B960494DF}">
-                  <a14:hiddenLine xmlns="" xmlns:a14="http://schemas.microsoft.com/office/drawing/2010/main" w="9525">
+                <a:ext uri="{91240B29-F687-4F45-9708-019B960494DF}">
+                  <a14:hiddenLine xmlns:a14="http://schemas.microsoft.com/office/drawing/2010/main" w="9525">
                     <a:solidFill>
                       <a:srgbClr val="000000"/>
                     </a:solidFill>
@@ -11769,8 +11769,8 @@
                 <a:noFill/>
               </a:ln>
               <a:extLst>
-                <a:ext uri="{91240B29-F687-4f45-9708-019B960494DF}">
-                  <a14:hiddenLine xmlns="" xmlns:a14="http://schemas.microsoft.com/office/drawing/2010/main" w="9525">
+                <a:ext uri="{91240B29-F687-4F45-9708-019B960494DF}">
+                  <a14:hiddenLine xmlns:a14="http://schemas.microsoft.com/office/drawing/2010/main" w="9525">
                     <a:solidFill>
                       <a:srgbClr val="000000"/>
                     </a:solidFill>
@@ -11803,8 +11803,8 @@
                 <a:noFill/>
               </a:ln>
               <a:extLst>
-                <a:ext uri="{91240B29-F687-4f45-9708-019B960494DF}">
-                  <a14:hiddenLine xmlns="" xmlns:a14="http://schemas.microsoft.com/office/drawing/2010/main" w="9525">
+                <a:ext uri="{91240B29-F687-4F45-9708-019B960494DF}">
+                  <a14:hiddenLine xmlns:a14="http://schemas.microsoft.com/office/drawing/2010/main" w="9525">
                     <a:solidFill>
                       <a:srgbClr val="000000"/>
                     </a:solidFill>
@@ -11945,7 +11945,7 @@
             <a:fld id="{48A87A34-81AB-432B-8DAE-1953F412C126}" type="datetimeFigureOut">
               <a:rPr lang="en-US" dirty="0"/>
               <a:pPr/>
-              <a:t>3/16/2017</a:t>
+              <a:t>10/9/2019</a:t>
             </a:fld>
             <a:endParaRPr lang="en-US" dirty="0"/>
           </a:p>
@@ -13507,8 +13507,8 @@
         </p:blipFill>
         <p:spPr>
           <a:xfrm>
-            <a:off x="7576457" y="1240972"/>
-            <a:ext cx="3405639" cy="4887015"/>
+            <a:off x="10128757" y="1967592"/>
+            <a:ext cx="1454145" cy="2086665"/>
           </a:xfrm>
           <a:prstGeom prst="rect">
             <a:avLst/>
@@ -16037,7 +16037,7 @@
   <a:extraClrSchemeLst/>
   <a:extLst>
     <a:ext uri="{05A4C25C-085E-4340-85A3-A5531E510DB2}">
-      <thm15:themeFamily xmlns:thm15="http://schemas.microsoft.com/office/thememl/2012/main" name="Circuit" id="{0AC2F7E7-15F5-431C-B2A2-456FE929F56C}" vid="{0911B802-464C-4241-8DD9-B60FF88E379F}"/>
+      <thm15:themeFamily xmlns:thm15="http://schemas.microsoft.com/office/thememl/2012/main" xmlns="" name="Circuit" id="{0AC2F7E7-15F5-431C-B2A2-456FE929F56C}" vid="{0911B802-464C-4241-8DD9-B60FF88E379F}"/>
     </a:ext>
   </a:extLst>
 </a:theme>
